--- a/presentation/presentazione-formalms.pptx
+++ b/presentation/presentazione-formalms.pptx
@@ -7825,7 +7825,7 @@
       </p:sp>
       <p:pic>
         <p:nvPicPr>
-          <p:cNvPr id="6" name="Segnaposto contenuto 5" descr="Download dal cloud">
+          <p:cNvPr id="6" name="Segnaposto contenuto 5">
             <a:extLst>
               <a:ext uri="{FF2B5EF4-FFF2-40B4-BE49-F238E27FC236}">
                 <a16:creationId xmlns:a16="http://schemas.microsoft.com/office/drawing/2014/main" id="{0271AC64-7E46-4584-94B4-CF13842EACEB}"/>
@@ -7844,9 +7844,6 @@
             <a:extLst>
               <a:ext uri="{28A0092B-C50C-407E-A947-70E740481C1C}">
                 <a14:useLocalDpi xmlns:a14="http://schemas.microsoft.com/office/drawing/2010/main" val="0"/>
-              </a:ext>
-              <a:ext uri="{96DAC541-7B7A-43D3-8B79-37D633B846F1}">
-                <asvg:svgBlip xmlns:asvg="http://schemas.microsoft.com/office/drawing/2016/SVG/main" r:embed="rId3"/>
               </a:ext>
             </a:extLst>
           </a:blip>

--- a/presentation/presentazione-formalms.pptx
+++ b/presentation/presentazione-formalms.pptx
@@ -5,7 +5,7 @@
     <p:sldMasterId id="2147483648" r:id="rId1"/>
   </p:sldMasterIdLst>
   <p:notesMasterIdLst>
-    <p:notesMasterId r:id="rId13"/>
+    <p:notesMasterId r:id="rId15"/>
   </p:notesMasterIdLst>
   <p:sldIdLst>
     <p:sldId id="256" r:id="rId2"/>
@@ -18,7 +18,9 @@
     <p:sldId id="260" r:id="rId9"/>
     <p:sldId id="261" r:id="rId10"/>
     <p:sldId id="264" r:id="rId11"/>
-    <p:sldId id="266" r:id="rId12"/>
+    <p:sldId id="267" r:id="rId12"/>
+    <p:sldId id="268" r:id="rId13"/>
+    <p:sldId id="266" r:id="rId14"/>
   </p:sldIdLst>
   <p:sldSz cx="12192000" cy="6858000"/>
   <p:notesSz cx="6858000" cy="9144000"/>
@@ -138,7 +140,13 @@
             <p14:sldId id="264"/>
           </p14:sldIdLst>
         </p14:section>
-        <p14:section name="ending" id="{8BE68D01-E326-46A4-8358-FA6E9C897680}">
+        <p14:section name="pro e contro" id="{8BE68D01-E326-46A4-8358-FA6E9C897680}">
+          <p14:sldIdLst>
+            <p14:sldId id="267"/>
+            <p14:sldId id="268"/>
+          </p14:sldIdLst>
+        </p14:section>
+        <p14:section name="ending" id="{189CF518-7892-4291-B411-E614E04393D2}">
           <p14:sldIdLst>
             <p14:sldId id="266"/>
           </p14:sldIdLst>
@@ -3531,7 +3539,7 @@
           <a:p>
             <a:fld id="{510B8DF0-478F-4123-9874-AB2D4E0CBA23}" type="datetimeFigureOut">
               <a:rPr lang="it-IT" smtClean="0"/>
-              <a:t>21/03/2020</a:t>
+              <a:t>07/04/2020</a:t>
             </a:fld>
             <a:endParaRPr lang="it-IT"/>
           </a:p>
@@ -4122,7 +4130,7 @@
           <a:p>
             <a:fld id="{9186A3DA-4DB5-4998-8FF6-FCA8960EF406}" type="datetime1">
               <a:rPr lang="it-IT" smtClean="0"/>
-              <a:t>21/03/2020</a:t>
+              <a:t>07/04/2020</a:t>
             </a:fld>
             <a:endParaRPr lang="it-IT"/>
           </a:p>
@@ -4330,7 +4338,7 @@
           <a:p>
             <a:fld id="{6CF5CE6D-DD66-4455-8A1A-EC53E3B3DFC6}" type="datetime1">
               <a:rPr lang="it-IT" smtClean="0"/>
-              <a:t>21/03/2020</a:t>
+              <a:t>07/04/2020</a:t>
             </a:fld>
             <a:endParaRPr lang="it-IT"/>
           </a:p>
@@ -5096,7 +5104,7 @@
             <a:fld id="{AA8E6211-74C8-40CC-B7DD-D5D0A5CD663C}" type="datetime1">
               <a:rPr lang="it-IT" smtClean="0"/>
               <a:pPr/>
-              <a:t>21/03/2020</a:t>
+              <a:t>07/04/2020</a:t>
             </a:fld>
             <a:endParaRPr lang="it-IT"/>
           </a:p>
@@ -5331,7 +5339,7 @@
 </file>
 
 <file path=ppt/slideLayouts/slideLayout4.xml><?xml version="1.0" encoding="utf-8"?>
-<p:sldLayout xmlns:a="http://schemas.openxmlformats.org/drawingml/2006/main" xmlns:r="http://schemas.openxmlformats.org/officeDocument/2006/relationships" xmlns:p="http://schemas.openxmlformats.org/presentationml/2006/main" type="twoObj" preserve="1">
+<p:sldLayout xmlns:a="http://schemas.openxmlformats.org/drawingml/2006/main" xmlns:r="http://schemas.openxmlformats.org/officeDocument/2006/relationships" xmlns:p="http://schemas.openxmlformats.org/presentationml/2006/main" preserve="1" userDrawn="1">
   <p:cSld name="Due contenuti">
     <p:spTree>
       <p:nvGrpSpPr>
@@ -5349,34 +5357,6 @@
       </p:grpSpPr>
       <p:sp>
         <p:nvSpPr>
-          <p:cNvPr id="2" name="Titolo 1">
-            <a:extLst>
-              <a:ext uri="{FF2B5EF4-FFF2-40B4-BE49-F238E27FC236}">
-                <a16:creationId xmlns:a16="http://schemas.microsoft.com/office/drawing/2014/main" id="{F2D12F8A-B85F-4CF3-907B-C8A7B90EF67A}"/>
-              </a:ext>
-            </a:extLst>
-          </p:cNvPr>
-          <p:cNvSpPr>
-            <a:spLocks noGrp="1"/>
-          </p:cNvSpPr>
-          <p:nvPr>
-            <p:ph type="title"/>
-          </p:nvPr>
-        </p:nvSpPr>
-        <p:spPr/>
-        <p:txBody>
-          <a:bodyPr/>
-          <a:lstStyle/>
-          <a:p>
-            <a:r>
-              <a:rPr lang="it-IT"/>
-              <a:t>Fare clic per modificare lo stile del titolo dello schema</a:t>
-            </a:r>
-          </a:p>
-        </p:txBody>
-      </p:sp>
-      <p:sp>
-        <p:nvSpPr>
           <p:cNvPr id="3" name="Segnaposto contenuto 2">
             <a:extLst>
               <a:ext uri="{FF2B5EF4-FFF2-40B4-BE49-F238E27FC236}">
@@ -5501,35 +5481,6 @@
       </p:sp>
       <p:sp>
         <p:nvSpPr>
-          <p:cNvPr id="5" name="Segnaposto data 4">
-            <a:extLst>
-              <a:ext uri="{FF2B5EF4-FFF2-40B4-BE49-F238E27FC236}">
-                <a16:creationId xmlns:a16="http://schemas.microsoft.com/office/drawing/2014/main" id="{9FB58AB9-DD7E-4A76-832E-DC70C287076C}"/>
-              </a:ext>
-            </a:extLst>
-          </p:cNvPr>
-          <p:cNvSpPr>
-            <a:spLocks noGrp="1"/>
-          </p:cNvSpPr>
-          <p:nvPr>
-            <p:ph type="dt" sz="half" idx="10"/>
-          </p:nvPr>
-        </p:nvSpPr>
-        <p:spPr/>
-        <p:txBody>
-          <a:bodyPr/>
-          <a:lstStyle/>
-          <a:p>
-            <a:fld id="{A74B4FC6-B0D8-48AF-A920-365CDAA177CC}" type="datetime1">
-              <a:rPr lang="it-IT" smtClean="0"/>
-              <a:t>21/03/2020</a:t>
-            </a:fld>
-            <a:endParaRPr lang="it-IT"/>
-          </a:p>
-        </p:txBody>
-      </p:sp>
-      <p:sp>
-        <p:nvSpPr>
           <p:cNvPr id="6" name="Segnaposto piè di pagina 5">
             <a:extLst>
               <a:ext uri="{FF2B5EF4-FFF2-40B4-BE49-F238E27FC236}">
@@ -5555,10 +5506,177 @@
       </p:sp>
       <p:sp>
         <p:nvSpPr>
-          <p:cNvPr id="7" name="Segnaposto numero diapositiva 6">
+          <p:cNvPr id="8" name="Rettangolo con un angolo ritagliato 7">
             <a:extLst>
               <a:ext uri="{FF2B5EF4-FFF2-40B4-BE49-F238E27FC236}">
-                <a16:creationId xmlns:a16="http://schemas.microsoft.com/office/drawing/2014/main" id="{024489E9-07A7-45FC-93C9-40A6B28078BB}"/>
+                <a16:creationId xmlns:a16="http://schemas.microsoft.com/office/drawing/2014/main" id="{A25CC225-C573-46C9-A378-6FEFED63EFC4}"/>
+              </a:ext>
+            </a:extLst>
+          </p:cNvPr>
+          <p:cNvSpPr/>
+          <p:nvPr userDrawn="1"/>
+        </p:nvSpPr>
+        <p:spPr>
+          <a:xfrm flipV="1">
+            <a:off x="0" y="-1"/>
+            <a:ext cx="9750490" cy="1690687"/>
+          </a:xfrm>
+          <a:prstGeom prst="snip1Rect">
+            <a:avLst>
+              <a:gd name="adj" fmla="val 50000"/>
+            </a:avLst>
+          </a:prstGeom>
+          <a:gradFill flip="none" rotWithShape="1">
+            <a:gsLst>
+              <a:gs pos="32000">
+                <a:srgbClr val="E73E1B"/>
+              </a:gs>
+              <a:gs pos="100000">
+                <a:srgbClr val="EB6D06"/>
+              </a:gs>
+            </a:gsLst>
+            <a:lin ang="18900000" scaled="1"/>
+            <a:tileRect/>
+          </a:gradFill>
+          <a:ln>
+            <a:noFill/>
+          </a:ln>
+        </p:spPr>
+        <p:style>
+          <a:lnRef idx="2">
+            <a:schemeClr val="accent1">
+              <a:shade val="50000"/>
+            </a:schemeClr>
+          </a:lnRef>
+          <a:fillRef idx="1">
+            <a:schemeClr val="accent1"/>
+          </a:fillRef>
+          <a:effectRef idx="0">
+            <a:schemeClr val="accent1"/>
+          </a:effectRef>
+          <a:fontRef idx="minor">
+            <a:schemeClr val="lt1"/>
+          </a:fontRef>
+        </p:style>
+        <p:txBody>
+          <a:bodyPr rtlCol="0" anchor="ctr"/>
+          <a:lstStyle/>
+          <a:p>
+            <a:pPr algn="ctr"/>
+            <a:endParaRPr lang="it-IT"/>
+          </a:p>
+        </p:txBody>
+      </p:sp>
+      <p:sp>
+        <p:nvSpPr>
+          <p:cNvPr id="9" name="Titolo 1">
+            <a:extLst>
+              <a:ext uri="{FF2B5EF4-FFF2-40B4-BE49-F238E27FC236}">
+                <a16:creationId xmlns:a16="http://schemas.microsoft.com/office/drawing/2014/main" id="{5EA7CE91-D3DA-422C-A4A0-F38ED800BC96}"/>
+              </a:ext>
+            </a:extLst>
+          </p:cNvPr>
+          <p:cNvSpPr>
+            <a:spLocks noGrp="1"/>
+          </p:cNvSpPr>
+          <p:nvPr>
+            <p:ph type="title"/>
+          </p:nvPr>
+        </p:nvSpPr>
+        <p:spPr>
+          <a:xfrm>
+            <a:off x="474307" y="136525"/>
+            <a:ext cx="8240485" cy="1325563"/>
+          </a:xfrm>
+        </p:spPr>
+        <p:txBody>
+          <a:bodyPr/>
+          <a:lstStyle>
+            <a:lvl1pPr>
+              <a:defRPr>
+                <a:solidFill>
+                  <a:schemeClr val="bg1"/>
+                </a:solidFill>
+              </a:defRPr>
+            </a:lvl1pPr>
+          </a:lstStyle>
+          <a:p>
+            <a:r>
+              <a:rPr lang="it-IT" dirty="0"/>
+              <a:t>Fare clic per modificare lo stile del titolo dello schema</a:t>
+            </a:r>
+          </a:p>
+        </p:txBody>
+      </p:sp>
+      <p:sp>
+        <p:nvSpPr>
+          <p:cNvPr id="10" name="Rettangolo con un angolo ritagliato 9">
+            <a:extLst>
+              <a:ext uri="{FF2B5EF4-FFF2-40B4-BE49-F238E27FC236}">
+                <a16:creationId xmlns:a16="http://schemas.microsoft.com/office/drawing/2014/main" id="{1C148640-0A00-420F-9C6D-BCE6A26789CC}"/>
+              </a:ext>
+            </a:extLst>
+          </p:cNvPr>
+          <p:cNvSpPr/>
+          <p:nvPr userDrawn="1"/>
+        </p:nvSpPr>
+        <p:spPr>
+          <a:xfrm flipH="1">
+            <a:off x="8257590" y="6311900"/>
+            <a:ext cx="3934410" cy="546100"/>
+          </a:xfrm>
+          <a:prstGeom prst="snip1Rect">
+            <a:avLst>
+              <a:gd name="adj" fmla="val 50000"/>
+            </a:avLst>
+          </a:prstGeom>
+          <a:gradFill flip="none" rotWithShape="1">
+            <a:gsLst>
+              <a:gs pos="32000">
+                <a:srgbClr val="E73E1B"/>
+              </a:gs>
+              <a:gs pos="100000">
+                <a:srgbClr val="EB6D06"/>
+              </a:gs>
+            </a:gsLst>
+            <a:lin ang="8100000" scaled="1"/>
+            <a:tileRect/>
+          </a:gradFill>
+          <a:ln>
+            <a:noFill/>
+          </a:ln>
+        </p:spPr>
+        <p:style>
+          <a:lnRef idx="2">
+            <a:schemeClr val="accent1">
+              <a:shade val="50000"/>
+            </a:schemeClr>
+          </a:lnRef>
+          <a:fillRef idx="1">
+            <a:schemeClr val="accent1"/>
+          </a:fillRef>
+          <a:effectRef idx="0">
+            <a:schemeClr val="accent1"/>
+          </a:effectRef>
+          <a:fontRef idx="minor">
+            <a:schemeClr val="lt1"/>
+          </a:fontRef>
+        </p:style>
+        <p:txBody>
+          <a:bodyPr rtlCol="0" anchor="ctr"/>
+          <a:lstStyle/>
+          <a:p>
+            <a:pPr algn="ctr"/>
+            <a:endParaRPr lang="it-IT"/>
+          </a:p>
+        </p:txBody>
+      </p:sp>
+      <p:sp>
+        <p:nvSpPr>
+          <p:cNvPr id="11" name="Segnaposto numero diapositiva 5">
+            <a:extLst>
+              <a:ext uri="{FF2B5EF4-FFF2-40B4-BE49-F238E27FC236}">
+                <a16:creationId xmlns:a16="http://schemas.microsoft.com/office/drawing/2014/main" id="{A2896848-E832-41E5-A579-5C15809099BB}"/>
               </a:ext>
             </a:extLst>
           </p:cNvPr>
@@ -5569,19 +5687,175 @@
             <p:ph type="sldNum" sz="quarter" idx="12"/>
           </p:nvPr>
         </p:nvSpPr>
-        <p:spPr/>
+        <p:spPr>
+          <a:xfrm>
+            <a:off x="9008705" y="6411831"/>
+            <a:ext cx="2743200" cy="365125"/>
+          </a:xfrm>
+        </p:spPr>
         <p:txBody>
           <a:bodyPr/>
-          <a:lstStyle/>
+          <a:lstStyle>
+            <a:lvl1pPr>
+              <a:defRPr>
+                <a:solidFill>
+                  <a:schemeClr val="bg1"/>
+                </a:solidFill>
+              </a:defRPr>
+            </a:lvl1pPr>
+          </a:lstStyle>
           <a:p>
             <a:fld id="{35C3D760-08D2-49DA-A977-00CF77DDCA13}" type="slidenum">
               <a:rPr lang="it-IT" smtClean="0"/>
+              <a:pPr/>
               <a:t>‹N›</a:t>
             </a:fld>
             <a:endParaRPr lang="it-IT"/>
           </a:p>
         </p:txBody>
       </p:sp>
+      <p:grpSp>
+        <p:nvGrpSpPr>
+          <p:cNvPr id="12" name="Gruppo 11">
+            <a:extLst>
+              <a:ext uri="{FF2B5EF4-FFF2-40B4-BE49-F238E27FC236}">
+                <a16:creationId xmlns:a16="http://schemas.microsoft.com/office/drawing/2014/main" id="{D6BB80EB-DE31-4D39-83B7-960528E322A5}"/>
+              </a:ext>
+            </a:extLst>
+          </p:cNvPr>
+          <p:cNvGrpSpPr/>
+          <p:nvPr userDrawn="1"/>
+        </p:nvGrpSpPr>
+        <p:grpSpPr>
+          <a:xfrm>
+            <a:off x="474307" y="6093857"/>
+            <a:ext cx="3256065" cy="586069"/>
+            <a:chOff x="3647903" y="482698"/>
+            <a:chExt cx="5335429" cy="960340"/>
+          </a:xfrm>
+        </p:grpSpPr>
+        <p:pic>
+          <p:nvPicPr>
+            <p:cNvPr id="13" name="Elemento grafico 12">
+              <a:extLst>
+                <a:ext uri="{FF2B5EF4-FFF2-40B4-BE49-F238E27FC236}">
+                  <a16:creationId xmlns:a16="http://schemas.microsoft.com/office/drawing/2014/main" id="{5820377B-3FF9-465E-8A29-D052355E0AB0}"/>
+                </a:ext>
+              </a:extLst>
+            </p:cNvPr>
+            <p:cNvPicPr>
+              <a:picLocks noChangeAspect="1"/>
+            </p:cNvPicPr>
+            <p:nvPr userDrawn="1"/>
+          </p:nvPicPr>
+          <p:blipFill>
+            <a:blip r:embed="rId2">
+              <a:extLst>
+                <a:ext uri="{28A0092B-C50C-407E-A947-70E740481C1C}">
+                  <a14:useLocalDpi xmlns:a14="http://schemas.microsoft.com/office/drawing/2010/main" val="0"/>
+                </a:ext>
+                <a:ext uri="{96DAC541-7B7A-43D3-8B79-37D633B846F1}">
+                  <asvg:svgBlip xmlns:asvg="http://schemas.microsoft.com/office/drawing/2016/SVG/main" r:embed="rId3"/>
+                </a:ext>
+              </a:extLst>
+            </a:blip>
+            <a:srcRect/>
+            <a:stretch/>
+          </p:blipFill>
+          <p:spPr>
+            <a:xfrm>
+              <a:off x="3647903" y="482698"/>
+              <a:ext cx="960340" cy="960340"/>
+            </a:xfrm>
+            <a:prstGeom prst="rect">
+              <a:avLst/>
+            </a:prstGeom>
+          </p:spPr>
+        </p:pic>
+        <p:pic>
+          <p:nvPicPr>
+            <p:cNvPr id="14" name="Immagine 13">
+              <a:extLst>
+                <a:ext uri="{FF2B5EF4-FFF2-40B4-BE49-F238E27FC236}">
+                  <a16:creationId xmlns:a16="http://schemas.microsoft.com/office/drawing/2014/main" id="{95EB2305-0BC8-425B-BF8E-92FB6E296627}"/>
+                </a:ext>
+              </a:extLst>
+            </p:cNvPr>
+            <p:cNvPicPr>
+              <a:picLocks noChangeAspect="1"/>
+            </p:cNvPicPr>
+            <p:nvPr userDrawn="1"/>
+          </p:nvPicPr>
+          <p:blipFill>
+            <a:blip r:embed="rId4">
+              <a:extLst>
+                <a:ext uri="{28A0092B-C50C-407E-A947-70E740481C1C}">
+                  <a14:useLocalDpi xmlns:a14="http://schemas.microsoft.com/office/drawing/2010/main" val="0"/>
+                </a:ext>
+              </a:extLst>
+            </a:blip>
+            <a:srcRect/>
+            <a:stretch/>
+          </p:blipFill>
+          <p:spPr>
+            <a:xfrm>
+              <a:off x="5261084" y="482698"/>
+              <a:ext cx="3722248" cy="960340"/>
+            </a:xfrm>
+            <a:prstGeom prst="rect">
+              <a:avLst/>
+            </a:prstGeom>
+            <a:ln>
+              <a:solidFill>
+                <a:schemeClr val="bg1"/>
+              </a:solidFill>
+            </a:ln>
+          </p:spPr>
+        </p:pic>
+        <p:cxnSp>
+          <p:nvCxnSpPr>
+            <p:cNvPr id="15" name="Connettore diritto 14">
+              <a:extLst>
+                <a:ext uri="{FF2B5EF4-FFF2-40B4-BE49-F238E27FC236}">
+                  <a16:creationId xmlns:a16="http://schemas.microsoft.com/office/drawing/2014/main" id="{444F7F33-4190-4E44-839F-B57201397AFD}"/>
+                </a:ext>
+              </a:extLst>
+            </p:cNvPr>
+            <p:cNvCxnSpPr>
+              <a:cxnSpLocks/>
+            </p:cNvCxnSpPr>
+            <p:nvPr userDrawn="1"/>
+          </p:nvCxnSpPr>
+          <p:spPr>
+            <a:xfrm>
+              <a:off x="4851278" y="482698"/>
+              <a:ext cx="0" cy="960340"/>
+            </a:xfrm>
+            <a:prstGeom prst="line">
+              <a:avLst/>
+            </a:prstGeom>
+            <a:ln w="12700">
+              <a:solidFill>
+                <a:schemeClr val="tx1"/>
+              </a:solidFill>
+            </a:ln>
+          </p:spPr>
+          <p:style>
+            <a:lnRef idx="1">
+              <a:schemeClr val="accent1"/>
+            </a:lnRef>
+            <a:fillRef idx="0">
+              <a:schemeClr val="accent1"/>
+            </a:fillRef>
+            <a:effectRef idx="0">
+              <a:schemeClr val="accent1"/>
+            </a:effectRef>
+            <a:fontRef idx="minor">
+              <a:schemeClr val="tx1"/>
+            </a:fontRef>
+          </p:style>
+        </p:cxnSp>
+      </p:grpSp>
     </p:spTree>
     <p:extLst>
       <p:ext uri="{BB962C8B-B14F-4D97-AF65-F5344CB8AC3E}">
@@ -5934,7 +6208,7 @@
           <a:p>
             <a:fld id="{827E843B-9113-4BB1-A770-F41AD1904C86}" type="datetime1">
               <a:rPr lang="it-IT" smtClean="0"/>
-              <a:t>21/03/2020</a:t>
+              <a:t>07/04/2020</a:t>
             </a:fld>
             <a:endParaRPr lang="it-IT"/>
           </a:p>
@@ -6075,7 +6349,7 @@
           <a:p>
             <a:fld id="{C2CEE0C1-E4D7-47EC-AC14-19A668587A5D}" type="datetime1">
               <a:rPr lang="it-IT" smtClean="0"/>
-              <a:t>21/03/2020</a:t>
+              <a:t>07/04/2020</a:t>
             </a:fld>
             <a:endParaRPr lang="it-IT"/>
           </a:p>
@@ -6188,7 +6462,7 @@
           <a:p>
             <a:fld id="{5160D765-880B-45C1-A7A3-7DE14D0C097B}" type="datetime1">
               <a:rPr lang="it-IT" smtClean="0"/>
-              <a:t>21/03/2020</a:t>
+              <a:t>07/04/2020</a:t>
             </a:fld>
             <a:endParaRPr lang="it-IT"/>
           </a:p>
@@ -6499,7 +6773,7 @@
           <a:p>
             <a:fld id="{87A442A4-E75A-4258-BED8-A33FABE79560}" type="datetime1">
               <a:rPr lang="it-IT" smtClean="0"/>
-              <a:t>21/03/2020</a:t>
+              <a:t>07/04/2020</a:t>
             </a:fld>
             <a:endParaRPr lang="it-IT"/>
           </a:p>
@@ -6787,7 +7061,7 @@
           <a:p>
             <a:fld id="{324269AF-A6CC-45B3-9168-41A79CCBA483}" type="datetime1">
               <a:rPr lang="it-IT" smtClean="0"/>
-              <a:t>21/03/2020</a:t>
+              <a:t>07/04/2020</a:t>
             </a:fld>
             <a:endParaRPr lang="it-IT"/>
           </a:p>
@@ -7028,7 +7302,7 @@
           <a:p>
             <a:fld id="{B0B8E54C-5C0F-419D-AF5D-2E994CAB941F}" type="datetime1">
               <a:rPr lang="it-IT" smtClean="0"/>
-              <a:t>21/03/2020</a:t>
+              <a:t>07/04/2020</a:t>
             </a:fld>
             <a:endParaRPr lang="it-IT"/>
           </a:p>
@@ -8153,6 +8427,565 @@
           <p:cNvPr id="2" name="Titolo 1">
             <a:extLst>
               <a:ext uri="{FF2B5EF4-FFF2-40B4-BE49-F238E27FC236}">
+                <a16:creationId xmlns:a16="http://schemas.microsoft.com/office/drawing/2014/main" id="{AF089365-DFC3-450A-B89D-9B8CF2380FD6}"/>
+              </a:ext>
+            </a:extLst>
+          </p:cNvPr>
+          <p:cNvSpPr>
+            <a:spLocks noGrp="1"/>
+          </p:cNvSpPr>
+          <p:nvPr>
+            <p:ph type="title"/>
+          </p:nvPr>
+        </p:nvSpPr>
+        <p:spPr/>
+        <p:txBody>
+          <a:bodyPr/>
+          <a:lstStyle/>
+          <a:p>
+            <a:r>
+              <a:rPr lang="it-IT" dirty="0"/>
+              <a:t>I Pro e i Contro</a:t>
+            </a:r>
+          </a:p>
+        </p:txBody>
+      </p:sp>
+      <p:sp>
+        <p:nvSpPr>
+          <p:cNvPr id="3" name="Segnaposto testo 2">
+            <a:extLst>
+              <a:ext uri="{FF2B5EF4-FFF2-40B4-BE49-F238E27FC236}">
+                <a16:creationId xmlns:a16="http://schemas.microsoft.com/office/drawing/2014/main" id="{E013732D-0306-446A-9C7C-871C326FF9CD}"/>
+              </a:ext>
+            </a:extLst>
+          </p:cNvPr>
+          <p:cNvSpPr>
+            <a:spLocks noGrp="1"/>
+          </p:cNvSpPr>
+          <p:nvPr>
+            <p:ph type="body" idx="1"/>
+          </p:nvPr>
+        </p:nvSpPr>
+        <p:spPr/>
+        <p:txBody>
+          <a:bodyPr/>
+          <a:lstStyle/>
+          <a:p>
+            <a:r>
+              <a:rPr lang="it-IT" dirty="0"/>
+              <a:t>Scegliere </a:t>
+            </a:r>
+            <a:r>
+              <a:rPr lang="it-IT" dirty="0" err="1"/>
+              <a:t>forma.lms</a:t>
+            </a:r>
+            <a:r>
+              <a:rPr lang="it-IT" dirty="0"/>
+              <a:t> in modo responsabile</a:t>
+            </a:r>
+          </a:p>
+        </p:txBody>
+      </p:sp>
+      <p:sp>
+        <p:nvSpPr>
+          <p:cNvPr id="4" name="Segnaposto numero diapositiva 3">
+            <a:extLst>
+              <a:ext uri="{FF2B5EF4-FFF2-40B4-BE49-F238E27FC236}">
+                <a16:creationId xmlns:a16="http://schemas.microsoft.com/office/drawing/2014/main" id="{8A931DD0-4596-4CCF-BC5B-BC374122A711}"/>
+              </a:ext>
+            </a:extLst>
+          </p:cNvPr>
+          <p:cNvSpPr>
+            <a:spLocks noGrp="1"/>
+          </p:cNvSpPr>
+          <p:nvPr>
+            <p:ph type="sldNum" sz="quarter" idx="12"/>
+          </p:nvPr>
+        </p:nvSpPr>
+        <p:spPr/>
+        <p:txBody>
+          <a:bodyPr/>
+          <a:lstStyle/>
+          <a:p>
+            <a:fld id="{35C3D760-08D2-49DA-A977-00CF77DDCA13}" type="slidenum">
+              <a:rPr lang="it-IT" smtClean="0"/>
+              <a:t>11</a:t>
+            </a:fld>
+            <a:endParaRPr lang="it-IT"/>
+          </a:p>
+        </p:txBody>
+      </p:sp>
+    </p:spTree>
+    <p:extLst>
+      <p:ext uri="{BB962C8B-B14F-4D97-AF65-F5344CB8AC3E}">
+        <p14:creationId xmlns:p14="http://schemas.microsoft.com/office/powerpoint/2010/main" val="1774311210"/>
+      </p:ext>
+    </p:extLst>
+  </p:cSld>
+  <p:clrMapOvr>
+    <a:masterClrMapping/>
+  </p:clrMapOvr>
+  <mc:AlternateContent xmlns:mc="http://schemas.openxmlformats.org/markup-compatibility/2006" xmlns:p159="http://schemas.microsoft.com/office/powerpoint/2015/09/main">
+    <mc:Choice Requires="p159">
+      <p:transition xmlns:p14="http://schemas.microsoft.com/office/powerpoint/2010/main" spd="slow" p14:dur="2000">
+        <p159:morph option="byObject"/>
+      </p:transition>
+    </mc:Choice>
+    <mc:Fallback xmlns="">
+      <p:transition spd="slow">
+        <p:fade/>
+      </p:transition>
+    </mc:Fallback>
+  </mc:AlternateContent>
+</p:sld>
+</file>
+
+<file path=ppt/slides/slide12.xml><?xml version="1.0" encoding="utf-8"?>
+<p:sld xmlns:a="http://schemas.openxmlformats.org/drawingml/2006/main" xmlns:r="http://schemas.openxmlformats.org/officeDocument/2006/relationships" xmlns:p="http://schemas.openxmlformats.org/presentationml/2006/main">
+  <p:cSld>
+    <p:spTree>
+      <p:nvGrpSpPr>
+        <p:cNvPr id="1" name=""/>
+        <p:cNvGrpSpPr/>
+        <p:nvPr/>
+      </p:nvGrpSpPr>
+      <p:grpSpPr>
+        <a:xfrm>
+          <a:off x="0" y="0"/>
+          <a:ext cx="0" cy="0"/>
+          <a:chOff x="0" y="0"/>
+          <a:chExt cx="0" cy="0"/>
+        </a:xfrm>
+      </p:grpSpPr>
+      <p:sp>
+        <p:nvSpPr>
+          <p:cNvPr id="2" name="Segnaposto contenuto 1">
+            <a:extLst>
+              <a:ext uri="{FF2B5EF4-FFF2-40B4-BE49-F238E27FC236}">
+                <a16:creationId xmlns:a16="http://schemas.microsoft.com/office/drawing/2014/main" id="{14C2EDDB-CA08-4519-9A2B-398D2B0D43F8}"/>
+              </a:ext>
+            </a:extLst>
+          </p:cNvPr>
+          <p:cNvSpPr>
+            <a:spLocks noGrp="1"/>
+          </p:cNvSpPr>
+          <p:nvPr>
+            <p:ph sz="half" idx="1"/>
+          </p:nvPr>
+        </p:nvSpPr>
+        <p:spPr/>
+        <p:txBody>
+          <a:bodyPr/>
+          <a:lstStyle/>
+          <a:p>
+            <a:pPr>
+              <a:buFont typeface="Wingdings" panose="05000000000000000000" pitchFamily="2" charset="2"/>
+              <a:buChar char="ü"/>
+            </a:pPr>
+            <a:r>
+              <a:rPr lang="en-US" dirty="0" err="1"/>
+              <a:t>Estensibilità</a:t>
+            </a:r>
+            <a:r>
+              <a:rPr lang="en-US" dirty="0"/>
+              <a:t> e </a:t>
+            </a:r>
+            <a:r>
+              <a:rPr lang="en-US" dirty="0" err="1"/>
+              <a:t>personalizzabilità</a:t>
+            </a:r>
+            <a:r>
+              <a:rPr lang="en-US" dirty="0"/>
+              <a:t> del </a:t>
+            </a:r>
+            <a:r>
+              <a:rPr lang="en-US" dirty="0" err="1"/>
+              <a:t>sistema</a:t>
+            </a:r>
+            <a:endParaRPr lang="en-US" dirty="0"/>
+          </a:p>
+          <a:p>
+            <a:pPr>
+              <a:buFont typeface="Wingdings" panose="05000000000000000000" pitchFamily="2" charset="2"/>
+              <a:buChar char="ü"/>
+            </a:pPr>
+            <a:r>
+              <a:rPr lang="en-US" dirty="0" err="1"/>
+              <a:t>Gestione</a:t>
+            </a:r>
+            <a:r>
+              <a:rPr lang="en-US" dirty="0"/>
+              <a:t> </a:t>
+            </a:r>
+            <a:r>
+              <a:rPr lang="en-US" dirty="0" err="1"/>
+              <a:t>automatica</a:t>
+            </a:r>
+            <a:r>
+              <a:rPr lang="en-US" dirty="0"/>
+              <a:t> </a:t>
+            </a:r>
+            <a:r>
+              <a:rPr lang="en-US" dirty="0" err="1"/>
+              <a:t>degli</a:t>
+            </a:r>
+            <a:r>
+              <a:rPr lang="en-US" dirty="0"/>
+              <a:t> </a:t>
+            </a:r>
+            <a:r>
+              <a:rPr lang="en-US" dirty="0" err="1"/>
+              <a:t>utenti</a:t>
+            </a:r>
+            <a:r>
+              <a:rPr lang="en-US" dirty="0"/>
+              <a:t>, </a:t>
+            </a:r>
+            <a:r>
+              <a:rPr lang="en-US" dirty="0" err="1"/>
+              <a:t>dei</a:t>
+            </a:r>
+            <a:r>
+              <a:rPr lang="en-US" dirty="0"/>
+              <a:t> </a:t>
+            </a:r>
+            <a:r>
+              <a:rPr lang="en-US" dirty="0" err="1"/>
+              <a:t>ruoli</a:t>
+            </a:r>
+            <a:r>
+              <a:rPr lang="en-US" dirty="0"/>
+              <a:t> e </a:t>
+            </a:r>
+            <a:r>
+              <a:rPr lang="en-US" dirty="0" err="1"/>
+              <a:t>dei</a:t>
+            </a:r>
+            <a:r>
+              <a:rPr lang="en-US" dirty="0"/>
+              <a:t> report</a:t>
+            </a:r>
+          </a:p>
+          <a:p>
+            <a:pPr>
+              <a:buFont typeface="Wingdings" panose="05000000000000000000" pitchFamily="2" charset="2"/>
+              <a:buChar char="ü"/>
+            </a:pPr>
+            <a:r>
+              <a:rPr lang="it-IT" dirty="0"/>
+              <a:t>Webinar</a:t>
+            </a:r>
+          </a:p>
+          <a:p>
+            <a:pPr>
+              <a:buFont typeface="Wingdings" panose="05000000000000000000" pitchFamily="2" charset="2"/>
+              <a:buChar char="ü"/>
+            </a:pPr>
+            <a:r>
+              <a:rPr lang="it-IT" dirty="0"/>
+              <a:t>E-commerce integrato</a:t>
+            </a:r>
+          </a:p>
+          <a:p>
+            <a:pPr>
+              <a:buFont typeface="Wingdings" panose="05000000000000000000" pitchFamily="2" charset="2"/>
+              <a:buChar char="ü"/>
+            </a:pPr>
+            <a:r>
+              <a:rPr lang="it-IT" dirty="0"/>
+              <a:t>Alta </a:t>
+            </a:r>
+            <a:r>
+              <a:rPr lang="it-IT" dirty="0" err="1"/>
+              <a:t>personalizzabilità</a:t>
+            </a:r>
+            <a:r>
+              <a:rPr lang="it-IT" dirty="0"/>
+              <a:t> dei corsi</a:t>
+            </a:r>
+          </a:p>
+          <a:p>
+            <a:pPr>
+              <a:buFont typeface="Wingdings" panose="05000000000000000000" pitchFamily="2" charset="2"/>
+              <a:buChar char="ü"/>
+            </a:pPr>
+            <a:r>
+              <a:rPr lang="it-IT" dirty="0"/>
+              <a:t>Possibilità di comunicazione (forum e messaggi)</a:t>
+            </a:r>
+          </a:p>
+        </p:txBody>
+      </p:sp>
+      <p:sp>
+        <p:nvSpPr>
+          <p:cNvPr id="3" name="Segnaposto contenuto 2">
+            <a:extLst>
+              <a:ext uri="{FF2B5EF4-FFF2-40B4-BE49-F238E27FC236}">
+                <a16:creationId xmlns:a16="http://schemas.microsoft.com/office/drawing/2014/main" id="{69C3E448-0821-4E0F-9E09-0C12DFAAAFB8}"/>
+              </a:ext>
+            </a:extLst>
+          </p:cNvPr>
+          <p:cNvSpPr>
+            <a:spLocks noGrp="1"/>
+          </p:cNvSpPr>
+          <p:nvPr>
+            <p:ph sz="half" idx="2"/>
+          </p:nvPr>
+        </p:nvSpPr>
+        <p:spPr/>
+        <p:txBody>
+          <a:bodyPr/>
+          <a:lstStyle/>
+          <a:p>
+            <a:pPr>
+              <a:buFont typeface="Calibri" panose="020F0502020204030204" pitchFamily="34" charset="0"/>
+              <a:buChar char="×"/>
+            </a:pPr>
+            <a:r>
+              <a:rPr lang="en-US" dirty="0" err="1"/>
+              <a:t>Assenza</a:t>
+            </a:r>
+            <a:r>
+              <a:rPr lang="en-US" dirty="0"/>
+              <a:t> di </a:t>
+            </a:r>
+            <a:r>
+              <a:rPr lang="en-US" dirty="0" err="1"/>
+              <a:t>documentazione</a:t>
+            </a:r>
+            <a:r>
+              <a:rPr lang="en-US" dirty="0"/>
+              <a:t> (</a:t>
+            </a:r>
+            <a:r>
+              <a:rPr lang="en-US" dirty="0" err="1"/>
+              <a:t>nella</a:t>
+            </a:r>
+            <a:r>
+              <a:rPr lang="en-US" dirty="0"/>
+              <a:t> </a:t>
+            </a:r>
+            <a:r>
+              <a:rPr lang="en-US" dirty="0" err="1"/>
+              <a:t>versione</a:t>
+            </a:r>
+            <a:r>
+              <a:rPr lang="en-US" dirty="0"/>
+              <a:t> </a:t>
+            </a:r>
+            <a:r>
+              <a:rPr lang="en-US" i="1" dirty="0"/>
+              <a:t>free</a:t>
+            </a:r>
+            <a:r>
+              <a:rPr lang="en-US" dirty="0"/>
+              <a:t>)</a:t>
+            </a:r>
+          </a:p>
+          <a:p>
+            <a:pPr>
+              <a:buFont typeface="Calibri" panose="020F0502020204030204" pitchFamily="34" charset="0"/>
+              <a:buChar char="×"/>
+            </a:pPr>
+            <a:r>
+              <a:rPr lang="en-US" dirty="0" err="1"/>
+              <a:t>Assenza</a:t>
+            </a:r>
+            <a:r>
+              <a:rPr lang="en-US" dirty="0"/>
+              <a:t> di </a:t>
+            </a:r>
+            <a:r>
+              <a:rPr lang="en-US" dirty="0" err="1"/>
+              <a:t>supporto</a:t>
+            </a:r>
+            <a:r>
+              <a:rPr lang="en-US" dirty="0"/>
+              <a:t> (</a:t>
+            </a:r>
+            <a:r>
+              <a:rPr lang="en-US" dirty="0" err="1"/>
+              <a:t>nella</a:t>
+            </a:r>
+            <a:r>
+              <a:rPr lang="en-US" dirty="0"/>
+              <a:t> </a:t>
+            </a:r>
+            <a:r>
+              <a:rPr lang="en-US" dirty="0" err="1"/>
+              <a:t>versione</a:t>
+            </a:r>
+            <a:r>
+              <a:rPr lang="en-US" dirty="0"/>
+              <a:t> </a:t>
+            </a:r>
+            <a:r>
+              <a:rPr lang="en-US" i="1" dirty="0"/>
+              <a:t>free</a:t>
+            </a:r>
+            <a:r>
+              <a:rPr lang="en-US" dirty="0"/>
+              <a:t>)</a:t>
+            </a:r>
+          </a:p>
+          <a:p>
+            <a:pPr>
+              <a:buFont typeface="Calibri" panose="020F0502020204030204" pitchFamily="34" charset="0"/>
+              <a:buChar char="×"/>
+            </a:pPr>
+            <a:r>
+              <a:rPr lang="en-US" dirty="0" err="1"/>
+              <a:t>Installazione</a:t>
+            </a:r>
+            <a:r>
+              <a:rPr lang="en-US" dirty="0"/>
+              <a:t> </a:t>
+            </a:r>
+            <a:r>
+              <a:rPr lang="en-US" dirty="0" err="1"/>
+              <a:t>dei</a:t>
+            </a:r>
+            <a:r>
+              <a:rPr lang="en-US" dirty="0"/>
+              <a:t> prerequisite “a </a:t>
+            </a:r>
+            <a:r>
+              <a:rPr lang="en-US" dirty="0" err="1"/>
+              <a:t>tentativi</a:t>
+            </a:r>
+            <a:r>
+              <a:rPr lang="en-US" dirty="0"/>
+              <a:t>” a causa </a:t>
+            </a:r>
+            <a:r>
+              <a:rPr lang="en-US" dirty="0" err="1"/>
+              <a:t>della</a:t>
+            </a:r>
+            <a:r>
+              <a:rPr lang="en-US" dirty="0"/>
+              <a:t> </a:t>
+            </a:r>
+            <a:r>
+              <a:rPr lang="en-US" dirty="0" err="1"/>
+              <a:t>mancanza</a:t>
+            </a:r>
+            <a:r>
+              <a:rPr lang="en-US" dirty="0"/>
+              <a:t> di </a:t>
+            </a:r>
+            <a:r>
+              <a:rPr lang="en-US" dirty="0" err="1"/>
+              <a:t>documentazione</a:t>
+            </a:r>
+            <a:endParaRPr lang="en-US" dirty="0"/>
+          </a:p>
+          <a:p>
+            <a:pPr>
+              <a:buFont typeface="Calibri" panose="020F0502020204030204" pitchFamily="34" charset="0"/>
+              <a:buChar char="×"/>
+            </a:pPr>
+            <a:endParaRPr lang="it-IT" dirty="0"/>
+          </a:p>
+        </p:txBody>
+      </p:sp>
+      <p:sp>
+        <p:nvSpPr>
+          <p:cNvPr id="4" name="Titolo 3">
+            <a:extLst>
+              <a:ext uri="{FF2B5EF4-FFF2-40B4-BE49-F238E27FC236}">
+                <a16:creationId xmlns:a16="http://schemas.microsoft.com/office/drawing/2014/main" id="{9E0A0F84-03BA-4E14-9E10-FC4FD17391E8}"/>
+              </a:ext>
+            </a:extLst>
+          </p:cNvPr>
+          <p:cNvSpPr>
+            <a:spLocks noGrp="1"/>
+          </p:cNvSpPr>
+          <p:nvPr>
+            <p:ph type="title"/>
+          </p:nvPr>
+        </p:nvSpPr>
+        <p:spPr/>
+        <p:txBody>
+          <a:bodyPr/>
+          <a:lstStyle/>
+          <a:p>
+            <a:r>
+              <a:rPr lang="en-US" dirty="0"/>
+              <a:t>Pro e </a:t>
+            </a:r>
+            <a:r>
+              <a:rPr lang="en-US" dirty="0" err="1"/>
+              <a:t>Contro</a:t>
+            </a:r>
+            <a:endParaRPr lang="it-IT" dirty="0"/>
+          </a:p>
+        </p:txBody>
+      </p:sp>
+      <p:sp>
+        <p:nvSpPr>
+          <p:cNvPr id="5" name="Segnaposto numero diapositiva 4">
+            <a:extLst>
+              <a:ext uri="{FF2B5EF4-FFF2-40B4-BE49-F238E27FC236}">
+                <a16:creationId xmlns:a16="http://schemas.microsoft.com/office/drawing/2014/main" id="{5145C644-8761-4D58-B49F-A9CBF08DCC17}"/>
+              </a:ext>
+            </a:extLst>
+          </p:cNvPr>
+          <p:cNvSpPr>
+            <a:spLocks noGrp="1"/>
+          </p:cNvSpPr>
+          <p:nvPr>
+            <p:ph type="sldNum" sz="quarter" idx="12"/>
+          </p:nvPr>
+        </p:nvSpPr>
+        <p:spPr/>
+        <p:txBody>
+          <a:bodyPr/>
+          <a:lstStyle/>
+          <a:p>
+            <a:fld id="{35C3D760-08D2-49DA-A977-00CF77DDCA13}" type="slidenum">
+              <a:rPr lang="it-IT" smtClean="0"/>
+              <a:pPr/>
+              <a:t>12</a:t>
+            </a:fld>
+            <a:endParaRPr lang="it-IT"/>
+          </a:p>
+        </p:txBody>
+      </p:sp>
+    </p:spTree>
+    <p:extLst>
+      <p:ext uri="{BB962C8B-B14F-4D97-AF65-F5344CB8AC3E}">
+        <p14:creationId xmlns:p14="http://schemas.microsoft.com/office/powerpoint/2010/main" val="3735902727"/>
+      </p:ext>
+    </p:extLst>
+  </p:cSld>
+  <p:clrMapOvr>
+    <a:masterClrMapping/>
+  </p:clrMapOvr>
+</p:sld>
+</file>
+
+<file path=ppt/slides/slide13.xml><?xml version="1.0" encoding="utf-8"?>
+<p:sld xmlns:a="http://schemas.openxmlformats.org/drawingml/2006/main" xmlns:r="http://schemas.openxmlformats.org/officeDocument/2006/relationships" xmlns:p="http://schemas.openxmlformats.org/presentationml/2006/main">
+  <p:cSld>
+    <p:spTree>
+      <p:nvGrpSpPr>
+        <p:cNvPr id="1" name=""/>
+        <p:cNvGrpSpPr/>
+        <p:nvPr/>
+      </p:nvGrpSpPr>
+      <p:grpSpPr>
+        <a:xfrm>
+          <a:off x="0" y="0"/>
+          <a:ext cx="0" cy="0"/>
+          <a:chOff x="0" y="0"/>
+          <a:chExt cx="0" cy="0"/>
+        </a:xfrm>
+      </p:grpSpPr>
+      <p:sp>
+        <p:nvSpPr>
+          <p:cNvPr id="2" name="Titolo 1">
+            <a:extLst>
+              <a:ext uri="{FF2B5EF4-FFF2-40B4-BE49-F238E27FC236}">
                 <a16:creationId xmlns:a16="http://schemas.microsoft.com/office/drawing/2014/main" id="{CB174D29-2CB1-43BA-9CBF-15B5DC4BDABF}"/>
               </a:ext>
             </a:extLst>
@@ -8794,14 +9627,13 @@
               </a:ext>
             </a:extLst>
           </a:blip>
-          <a:stretch>
-            <a:fillRect/>
-          </a:stretch>
+          <a:srcRect/>
+          <a:stretch/>
         </p:blipFill>
         <p:spPr>
           <a:xfrm>
-            <a:off x="7382734" y="2375323"/>
-            <a:ext cx="3251941" cy="3251941"/>
+            <a:off x="6236589" y="2416630"/>
+            <a:ext cx="5544232" cy="3169328"/>
           </a:xfrm>
         </p:spPr>
       </p:pic>

--- a/presentation/presentazione-formalms.pptx
+++ b/presentation/presentazione-formalms.pptx
@@ -3539,7 +3539,7 @@
           <a:p>
             <a:fld id="{510B8DF0-478F-4123-9874-AB2D4E0CBA23}" type="datetimeFigureOut">
               <a:rPr lang="it-IT" smtClean="0"/>
-              <a:t>07/04/2020</a:t>
+              <a:t>21/04/2020</a:t>
             </a:fld>
             <a:endParaRPr lang="it-IT"/>
           </a:p>
@@ -4130,7 +4130,7 @@
           <a:p>
             <a:fld id="{9186A3DA-4DB5-4998-8FF6-FCA8960EF406}" type="datetime1">
               <a:rPr lang="it-IT" smtClean="0"/>
-              <a:t>07/04/2020</a:t>
+              <a:t>21/04/2020</a:t>
             </a:fld>
             <a:endParaRPr lang="it-IT"/>
           </a:p>
@@ -4338,7 +4338,7 @@
           <a:p>
             <a:fld id="{6CF5CE6D-DD66-4455-8A1A-EC53E3B3DFC6}" type="datetime1">
               <a:rPr lang="it-IT" smtClean="0"/>
-              <a:t>07/04/2020</a:t>
+              <a:t>21/04/2020</a:t>
             </a:fld>
             <a:endParaRPr lang="it-IT"/>
           </a:p>
@@ -5104,7 +5104,7 @@
             <a:fld id="{AA8E6211-74C8-40CC-B7DD-D5D0A5CD663C}" type="datetime1">
               <a:rPr lang="it-IT" smtClean="0"/>
               <a:pPr/>
-              <a:t>07/04/2020</a:t>
+              <a:t>21/04/2020</a:t>
             </a:fld>
             <a:endParaRPr lang="it-IT"/>
           </a:p>
@@ -6208,7 +6208,7 @@
           <a:p>
             <a:fld id="{827E843B-9113-4BB1-A770-F41AD1904C86}" type="datetime1">
               <a:rPr lang="it-IT" smtClean="0"/>
-              <a:t>07/04/2020</a:t>
+              <a:t>21/04/2020</a:t>
             </a:fld>
             <a:endParaRPr lang="it-IT"/>
           </a:p>
@@ -6349,7 +6349,7 @@
           <a:p>
             <a:fld id="{C2CEE0C1-E4D7-47EC-AC14-19A668587A5D}" type="datetime1">
               <a:rPr lang="it-IT" smtClean="0"/>
-              <a:t>07/04/2020</a:t>
+              <a:t>21/04/2020</a:t>
             </a:fld>
             <a:endParaRPr lang="it-IT"/>
           </a:p>
@@ -6462,7 +6462,7 @@
           <a:p>
             <a:fld id="{5160D765-880B-45C1-A7A3-7DE14D0C097B}" type="datetime1">
               <a:rPr lang="it-IT" smtClean="0"/>
-              <a:t>07/04/2020</a:t>
+              <a:t>21/04/2020</a:t>
             </a:fld>
             <a:endParaRPr lang="it-IT"/>
           </a:p>
@@ -6773,7 +6773,7 @@
           <a:p>
             <a:fld id="{87A442A4-E75A-4258-BED8-A33FABE79560}" type="datetime1">
               <a:rPr lang="it-IT" smtClean="0"/>
-              <a:t>07/04/2020</a:t>
+              <a:t>21/04/2020</a:t>
             </a:fld>
             <a:endParaRPr lang="it-IT"/>
           </a:p>
@@ -7061,7 +7061,7 @@
           <a:p>
             <a:fld id="{324269AF-A6CC-45B3-9168-41A79CCBA483}" type="datetime1">
               <a:rPr lang="it-IT" smtClean="0"/>
-              <a:t>07/04/2020</a:t>
+              <a:t>21/04/2020</a:t>
             </a:fld>
             <a:endParaRPr lang="it-IT"/>
           </a:p>
@@ -7302,7 +7302,7 @@
           <a:p>
             <a:fld id="{B0B8E54C-5C0F-419D-AF5D-2E994CAB941F}" type="datetime1">
               <a:rPr lang="it-IT" smtClean="0"/>
-              <a:t>07/04/2020</a:t>
+              <a:t>21/04/2020</a:t>
             </a:fld>
             <a:endParaRPr lang="it-IT"/>
           </a:p>
@@ -8847,7 +8847,15 @@
             </a:r>
             <a:r>
               <a:rPr lang="en-US" dirty="0"/>
-              <a:t> prerequisite “a </a:t>
+              <a:t> </a:t>
+            </a:r>
+            <a:r>
+              <a:rPr lang="en-US" dirty="0" err="1"/>
+              <a:t>prerequisiti</a:t>
+            </a:r>
+            <a:r>
+              <a:rPr lang="en-US" dirty="0"/>
+              <a:t> “a </a:t>
             </a:r>
             <a:r>
               <a:rPr lang="en-US" dirty="0" err="1"/>
@@ -9005,34 +9013,6 @@
             <a:r>
               <a:rPr lang="it-IT" dirty="0"/>
               <a:t>Grazie Per l’Attenzione</a:t>
-            </a:r>
-          </a:p>
-        </p:txBody>
-      </p:sp>
-      <p:sp>
-        <p:nvSpPr>
-          <p:cNvPr id="3" name="Segnaposto testo 2">
-            <a:extLst>
-              <a:ext uri="{FF2B5EF4-FFF2-40B4-BE49-F238E27FC236}">
-                <a16:creationId xmlns:a16="http://schemas.microsoft.com/office/drawing/2014/main" id="{E155E7A2-15B4-4EC9-A645-6AFD76AA76B8}"/>
-              </a:ext>
-            </a:extLst>
-          </p:cNvPr>
-          <p:cNvSpPr>
-            <a:spLocks noGrp="1"/>
-          </p:cNvSpPr>
-          <p:nvPr>
-            <p:ph type="body" idx="1"/>
-          </p:nvPr>
-        </p:nvSpPr>
-        <p:spPr/>
-        <p:txBody>
-          <a:bodyPr/>
-          <a:lstStyle/>
-          <a:p>
-            <a:r>
-              <a:rPr lang="it-IT" dirty="0"/>
-              <a:t>Domande?</a:t>
             </a:r>
           </a:p>
         </p:txBody>
